--- a/Projet IA_Reversi.pptx
+++ b/Projet IA_Reversi.pptx
@@ -272,7 +272,7 @@
           <a:p>
             <a:fld id="{073D55F9-11A3-4523-8F38-6BA37933791A}" type="datetime1">
               <a:rPr lang="en-US" smtClean="0"/>
-              <a:t>2/18/2021</a:t>
+              <a:t>2/18/21</a:t>
             </a:fld>
             <a:endParaRPr lang="en-US"/>
           </a:p>
@@ -473,7 +473,7 @@
           <a:p>
             <a:fld id="{0B4E757A-3EC2-4683-9080-1A460C37C843}" type="datetime1">
               <a:rPr lang="en-US" smtClean="0"/>
-              <a:t>2/18/2021</a:t>
+              <a:t>2/18/21</a:t>
             </a:fld>
             <a:endParaRPr lang="en-US"/>
           </a:p>
@@ -689,7 +689,7 @@
           <a:p>
             <a:fld id="{5CC8096C-64ED-4153-A483-5C02E44AD5C3}" type="datetime1">
               <a:rPr lang="en-US" smtClean="0"/>
-              <a:t>2/18/2021</a:t>
+              <a:t>2/18/21</a:t>
             </a:fld>
             <a:endParaRPr lang="en-US"/>
           </a:p>
@@ -921,7 +921,7 @@
           <a:p>
             <a:fld id="{1CB9D56B-6EBE-4E5F-99D9-2A3DBDF37D0A}" type="datetime1">
               <a:rPr lang="en-US" smtClean="0"/>
-              <a:t>2/18/2021</a:t>
+              <a:t>2/18/21</a:t>
             </a:fld>
             <a:endParaRPr lang="en-US"/>
           </a:p>
@@ -1197,7 +1197,7 @@
           <a:p>
             <a:fld id="{8C33F3CA-C7E3-432D-9282-18F13836509A}" type="datetime1">
               <a:rPr lang="en-US" smtClean="0"/>
-              <a:t>2/18/2021</a:t>
+              <a:t>2/18/21</a:t>
             </a:fld>
             <a:endParaRPr lang="en-US"/>
           </a:p>
@@ -1465,7 +1465,7 @@
           <a:p>
             <a:fld id="{75BE9C62-1337-40B8-BA50-E9F4861DB4BC}" type="datetime1">
               <a:rPr lang="en-US" smtClean="0"/>
-              <a:t>2/18/2021</a:t>
+              <a:t>2/18/21</a:t>
             </a:fld>
             <a:endParaRPr lang="en-US"/>
           </a:p>
@@ -1880,7 +1880,7 @@
           <a:p>
             <a:fld id="{47C195EB-2DA3-4B24-8725-19BC22A7BE50}" type="datetime1">
               <a:rPr lang="en-US" smtClean="0"/>
-              <a:t>2/18/2021</a:t>
+              <a:t>2/18/21</a:t>
             </a:fld>
             <a:endParaRPr lang="en-US"/>
           </a:p>
@@ -2024,7 +2024,7 @@
           <a:p>
             <a:fld id="{F4E237E6-0076-4915-A5A8-B7C11FA4F374}" type="datetime1">
               <a:rPr lang="en-US" smtClean="0"/>
-              <a:t>2/18/2021</a:t>
+              <a:t>2/18/21</a:t>
             </a:fld>
             <a:endParaRPr lang="en-US"/>
           </a:p>
@@ -2140,7 +2140,7 @@
           <a:p>
             <a:fld id="{3505F58F-C0B5-422A-8E5A-6B99E5D80F0A}" type="datetime1">
               <a:rPr lang="en-US" smtClean="0"/>
-              <a:t>2/18/2021</a:t>
+              <a:t>2/18/21</a:t>
             </a:fld>
             <a:endParaRPr lang="en-US"/>
           </a:p>
@@ -2454,7 +2454,7 @@
           <a:p>
             <a:fld id="{7565E655-9687-48DF-A33F-F8824CCCB5D1}" type="datetime1">
               <a:rPr lang="en-US" smtClean="0"/>
-              <a:t>2/18/2021</a:t>
+              <a:t>2/18/21</a:t>
             </a:fld>
             <a:endParaRPr lang="en-US"/>
           </a:p>
@@ -2748,7 +2748,7 @@
           <a:p>
             <a:fld id="{B97FD56A-AAB8-4544-A495-D0645413C9E3}" type="datetime1">
               <a:rPr lang="en-US" smtClean="0"/>
-              <a:t>2/18/2021</a:t>
+              <a:t>2/18/21</a:t>
             </a:fld>
             <a:endParaRPr lang="en-US"/>
           </a:p>
@@ -4568,7 +4568,7 @@
             <a:fld id="{193BAB95-8DA7-460B-B00A-7037C8394FB0}" type="datetime1">
               <a:rPr lang="en-US" smtClean="0"/>
               <a:pPr/>
-              <a:t>2/18/2021</a:t>
+              <a:t>2/18/21</a:t>
             </a:fld>
             <a:endParaRPr lang="en-US"/>
           </a:p>
@@ -12189,7 +12189,7 @@
               </a:rPr>
               <a:t>:</a:t>
             </a:r>
-            <a:endParaRPr lang="fr-FR">
+            <a:endParaRPr lang="fr-FR" dirty="0">
               <a:solidFill>
                 <a:schemeClr val="tx2">
                   <a:alpha val="80000"/>
@@ -12217,13 +12217,6 @@
               </a:rPr>
               <a:t>Création du plateau du jeu:</a:t>
             </a:r>
-            <a:endParaRPr lang="fr-FR" sz="1400">
-              <a:solidFill>
-                <a:schemeClr val="tx2">
-                  <a:alpha val="80000"/>
-                </a:schemeClr>
-              </a:solidFill>
-            </a:endParaRPr>
           </a:p>
           <a:p>
             <a:pPr marL="742950" lvl="1" indent="-285750" algn="just">
@@ -12270,7 +12263,7 @@
                 <a:ea typeface="+mn-lt"/>
                 <a:cs typeface="+mn-lt"/>
               </a:rPr>
-              <a:t>Placer des cellules</a:t>
+              <a:t>Placer des pions</a:t>
             </a:r>
           </a:p>
           <a:p>
@@ -12367,15 +12360,6 @@
               </a:rPr>
               <a:t>Création des pions:</a:t>
             </a:r>
-            <a:endParaRPr lang="fr-FR" sz="1400">
-              <a:solidFill>
-                <a:schemeClr val="tx2">
-                  <a:alpha val="80000"/>
-                </a:schemeClr>
-              </a:solidFill>
-              <a:ea typeface="+mn-lt"/>
-              <a:cs typeface="+mn-lt"/>
-            </a:endParaRPr>
           </a:p>
           <a:p>
             <a:pPr marL="742950" lvl="1" indent="-285750" algn="just">
@@ -12395,7 +12379,7 @@
                 <a:ea typeface="+mn-lt"/>
                 <a:cs typeface="+mn-lt"/>
               </a:rPr>
-              <a:t>Créer une cellule (Blanc, noir)</a:t>
+              <a:t>Créer les pions (Blanc, noir)</a:t>
             </a:r>
           </a:p>
           <a:p>
@@ -12416,7 +12400,7 @@
                 <a:ea typeface="+mn-lt"/>
                 <a:cs typeface="+mn-lt"/>
               </a:rPr>
-              <a:t>Récupérer type de cellules</a:t>
+              <a:t>Récupérer type de pions</a:t>
             </a:r>
           </a:p>
           <a:p>
@@ -12437,7 +12421,7 @@
                 <a:ea typeface="+mn-lt"/>
                 <a:cs typeface="+mn-lt"/>
               </a:rPr>
-              <a:t>Extraire les coordonnées de la cellule</a:t>
+              <a:t>Extraire les coordonnées du/des pion(s)</a:t>
             </a:r>
           </a:p>
           <a:p>
@@ -12561,7 +12545,7 @@
                 </a:schemeClr>
               </a:buClr>
             </a:pPr>
-            <a:endParaRPr lang="fr-FR" sz="1400">
+            <a:endParaRPr lang="fr-FR" sz="1400" dirty="0">
               <a:solidFill>
                 <a:srgbClr val="12154E">
                   <a:alpha val="80000"/>
@@ -20525,7 +20509,7 @@
               <a:buFont typeface="+mj-lt"/>
               <a:buAutoNum type="arabicPeriod"/>
             </a:pPr>
-            <a:endParaRPr lang="en-US" sz="1800">
+            <a:endParaRPr lang="en-US" sz="1800" dirty="0">
               <a:solidFill>
                 <a:schemeClr val="tx2"/>
               </a:solidFill>
@@ -20576,7 +20560,7 @@
               <a:t>Points </a:t>
             </a:r>
             <a:r>
-              <a:rPr lang="en-US" sz="1800" err="1">
+              <a:rPr lang="en-US" sz="1800" dirty="0" err="1">
                 <a:solidFill>
                   <a:schemeClr val="tx2"/>
                 </a:solidFill>
@@ -20591,11 +20575,6 @@
               </a:rPr>
               <a:t>:</a:t>
             </a:r>
-            <a:endParaRPr lang="en-US" sz="1800">
-              <a:solidFill>
-                <a:schemeClr val="tx2"/>
-              </a:solidFill>
-            </a:endParaRPr>
           </a:p>
           <a:p>
             <a:pPr marL="742950" lvl="1" indent="-285750" algn="just">
@@ -20634,7 +20613,7 @@
               </a:rPr>
               <a:t>intéressant</a:t>
             </a:r>
-            <a:endParaRPr lang="en-US" sz="1400">
+            <a:endParaRPr lang="en-US" sz="1400" dirty="0">
               <a:solidFill>
                 <a:schemeClr val="tx2"/>
               </a:solidFill>
@@ -20709,7 +20688,7 @@
               </a:rPr>
               <a:t>langage</a:t>
             </a:r>
-            <a:endParaRPr lang="en-US" sz="1400">
+            <a:endParaRPr lang="en-US" sz="1400" dirty="0">
               <a:solidFill>
                 <a:schemeClr val="tx2"/>
               </a:solidFill>
@@ -20744,7 +20723,7 @@
               </a:rPr>
               <a:t>groupe</a:t>
             </a:r>
-            <a:endParaRPr lang="en-US" sz="1400">
+            <a:endParaRPr lang="en-US" sz="1400" dirty="0">
               <a:solidFill>
                 <a:schemeClr val="tx2"/>
               </a:solidFill>
@@ -20763,7 +20742,7 @@
               <a:buFont typeface="Arial"/>
               <a:buChar char="•"/>
             </a:pPr>
-            <a:endParaRPr lang="en-US" sz="1400">
+            <a:endParaRPr lang="en-US" sz="1400" dirty="0">
               <a:solidFill>
                 <a:schemeClr val="tx2"/>
               </a:solidFill>
@@ -20812,11 +20791,6 @@
               </a:rPr>
               <a:t>:</a:t>
             </a:r>
-            <a:endParaRPr lang="en-US" sz="1800">
-              <a:solidFill>
-                <a:schemeClr val="tx2"/>
-              </a:solidFill>
-            </a:endParaRPr>
           </a:p>
           <a:p>
             <a:pPr marL="285750" indent="-285750" algn="just">
@@ -20832,7 +20806,7 @@
               <a:buChar char="•"/>
             </a:pPr>
             <a:r>
-              <a:rPr lang="en-US" sz="1800" err="1">
+              <a:rPr lang="en-US" sz="1800" dirty="0" err="1">
                 <a:solidFill>
                   <a:schemeClr val="tx2"/>
                 </a:solidFill>
@@ -20848,7 +20822,7 @@
               <a:t> d’un </a:t>
             </a:r>
             <a:r>
-              <a:rPr lang="en-US" sz="1800" err="1">
+              <a:rPr lang="en-US" sz="1800" dirty="0" err="1">
                 <a:solidFill>
                   <a:schemeClr val="tx2"/>
                 </a:solidFill>
@@ -20864,7 +20838,7 @@
               <a:t> </a:t>
             </a:r>
             <a:r>
-              <a:rPr lang="en-US" sz="1800" err="1">
+              <a:rPr lang="en-US" sz="1800" dirty="0" err="1">
                 <a:solidFill>
                   <a:schemeClr val="tx2"/>
                 </a:solidFill>
@@ -20880,14 +20854,14 @@
               <a:t> par </a:t>
             </a:r>
             <a:r>
-              <a:rPr lang="en-US" sz="1800" err="1">
+              <a:rPr lang="en-US" sz="1800" dirty="0" err="1">
                 <a:solidFill>
                   <a:schemeClr val="tx2"/>
                 </a:solidFill>
               </a:rPr>
               <a:t>renforcement</a:t>
             </a:r>
-            <a:endParaRPr lang="en-US" sz="1800">
+            <a:endParaRPr lang="en-US" sz="1800" dirty="0">
               <a:solidFill>
                 <a:schemeClr val="tx2"/>
               </a:solidFill>
